--- a/Lectures/Lecture 28/Lecture 28.pptx
+++ b/Lectures/Lecture 28/Lecture 28.pptx
@@ -227,7 +227,7 @@
           <a:p>
             <a:fld id="{467FE51A-BC06-4E6F-B1DA-B477364E598F}" type="datetimeFigureOut">
               <a:rPr lang="en-US" smtClean="0"/>
-              <a:t>4/12/2020</a:t>
+              <a:t>4/26/2021</a:t>
             </a:fld>
             <a:endParaRPr lang="en-US"/>
           </a:p>
@@ -2069,7 +2069,7 @@
           <a:p>
             <a:fld id="{11C4ABE2-2F1A-4C31-A43A-C3E7CE49CE95}" type="datetimeFigureOut">
               <a:rPr lang="en-US" smtClean="0"/>
-              <a:t>4/12/2020</a:t>
+              <a:t>4/26/2021</a:t>
             </a:fld>
             <a:endParaRPr lang="en-US"/>
           </a:p>
@@ -2267,7 +2267,7 @@
           <a:p>
             <a:fld id="{11C4ABE2-2F1A-4C31-A43A-C3E7CE49CE95}" type="datetimeFigureOut">
               <a:rPr lang="en-US" smtClean="0"/>
-              <a:t>4/12/2020</a:t>
+              <a:t>4/26/2021</a:t>
             </a:fld>
             <a:endParaRPr lang="en-US"/>
           </a:p>
@@ -2475,7 +2475,7 @@
           <a:p>
             <a:fld id="{11C4ABE2-2F1A-4C31-A43A-C3E7CE49CE95}" type="datetimeFigureOut">
               <a:rPr lang="en-US" smtClean="0"/>
-              <a:t>4/12/2020</a:t>
+              <a:t>4/26/2021</a:t>
             </a:fld>
             <a:endParaRPr lang="en-US"/>
           </a:p>
@@ -2673,7 +2673,7 @@
           <a:p>
             <a:fld id="{11C4ABE2-2F1A-4C31-A43A-C3E7CE49CE95}" type="datetimeFigureOut">
               <a:rPr lang="en-US" smtClean="0"/>
-              <a:t>4/12/2020</a:t>
+              <a:t>4/26/2021</a:t>
             </a:fld>
             <a:endParaRPr lang="en-US"/>
           </a:p>
@@ -2948,7 +2948,7 @@
           <a:p>
             <a:fld id="{11C4ABE2-2F1A-4C31-A43A-C3E7CE49CE95}" type="datetimeFigureOut">
               <a:rPr lang="en-US" smtClean="0"/>
-              <a:t>4/12/2020</a:t>
+              <a:t>4/26/2021</a:t>
             </a:fld>
             <a:endParaRPr lang="en-US"/>
           </a:p>
@@ -3213,7 +3213,7 @@
           <a:p>
             <a:fld id="{11C4ABE2-2F1A-4C31-A43A-C3E7CE49CE95}" type="datetimeFigureOut">
               <a:rPr lang="en-US" smtClean="0"/>
-              <a:t>4/12/2020</a:t>
+              <a:t>4/26/2021</a:t>
             </a:fld>
             <a:endParaRPr lang="en-US"/>
           </a:p>
@@ -3625,7 +3625,7 @@
           <a:p>
             <a:fld id="{11C4ABE2-2F1A-4C31-A43A-C3E7CE49CE95}" type="datetimeFigureOut">
               <a:rPr lang="en-US" smtClean="0"/>
-              <a:t>4/12/2020</a:t>
+              <a:t>4/26/2021</a:t>
             </a:fld>
             <a:endParaRPr lang="en-US"/>
           </a:p>
@@ -3766,7 +3766,7 @@
           <a:p>
             <a:fld id="{11C4ABE2-2F1A-4C31-A43A-C3E7CE49CE95}" type="datetimeFigureOut">
               <a:rPr lang="en-US" smtClean="0"/>
-              <a:t>4/12/2020</a:t>
+              <a:t>4/26/2021</a:t>
             </a:fld>
             <a:endParaRPr lang="en-US"/>
           </a:p>
@@ -3879,7 +3879,7 @@
           <a:p>
             <a:fld id="{11C4ABE2-2F1A-4C31-A43A-C3E7CE49CE95}" type="datetimeFigureOut">
               <a:rPr lang="en-US" smtClean="0"/>
-              <a:t>4/12/2020</a:t>
+              <a:t>4/26/2021</a:t>
             </a:fld>
             <a:endParaRPr lang="en-US"/>
           </a:p>
@@ -4190,7 +4190,7 @@
           <a:p>
             <a:fld id="{11C4ABE2-2F1A-4C31-A43A-C3E7CE49CE95}" type="datetimeFigureOut">
               <a:rPr lang="en-US" smtClean="0"/>
-              <a:t>4/12/2020</a:t>
+              <a:t>4/26/2021</a:t>
             </a:fld>
             <a:endParaRPr lang="en-US"/>
           </a:p>
@@ -4478,7 +4478,7 @@
           <a:p>
             <a:fld id="{11C4ABE2-2F1A-4C31-A43A-C3E7CE49CE95}" type="datetimeFigureOut">
               <a:rPr lang="en-US" smtClean="0"/>
-              <a:t>4/12/2020</a:t>
+              <a:t>4/26/2021</a:t>
             </a:fld>
             <a:endParaRPr lang="en-US"/>
           </a:p>
@@ -4719,7 +4719,7 @@
           <a:p>
             <a:fld id="{11C4ABE2-2F1A-4C31-A43A-C3E7CE49CE95}" type="datetimeFigureOut">
               <a:rPr lang="en-US" smtClean="0"/>
-              <a:t>4/12/2020</a:t>
+              <a:t>4/26/2021</a:t>
             </a:fld>
             <a:endParaRPr lang="en-US"/>
           </a:p>
@@ -7168,8 +7168,8 @@
           <a:chExt cx="0" cy="0"/>
         </a:xfrm>
       </p:grpSpPr>
-      <mc:AlternateContent xmlns:mc="http://schemas.openxmlformats.org/markup-compatibility/2006">
-        <mc:Choice xmlns:a14="http://schemas.microsoft.com/office/drawing/2010/main" Requires="a14">
+      <mc:AlternateContent xmlns:mc="http://schemas.openxmlformats.org/markup-compatibility/2006" xmlns:a14="http://schemas.microsoft.com/office/drawing/2010/main">
+        <mc:Choice Requires="a14">
           <p:sp>
             <p:nvSpPr>
               <p:cNvPr id="36" name="TextBox 35">
@@ -7377,16 +7377,7 @@
                         </a:solidFill>
                         <a:latin typeface="Cambria Math" panose="02040503050406030204" pitchFamily="18" charset="0"/>
                       </a:rPr>
-                      <m:t>∈[0,</m:t>
-                    </m:r>
-                    <m:r>
-                      <a:rPr lang="en-US" sz="2000" b="0" i="1" smtClean="0">
-                        <a:solidFill>
-                          <a:srgbClr val="404040"/>
-                        </a:solidFill>
-                        <a:latin typeface="Cambria Math" panose="02040503050406030204" pitchFamily="18" charset="0"/>
-                      </a:rPr>
-                      <m:t>15]</m:t>
+                      <m:t>∈[0,15]</m:t>
                     </m:r>
                   </m:oMath>
                 </a14:m>
@@ -7628,7 +7619,7 @@
             </p:txBody>
           </p:sp>
         </mc:Choice>
-        <mc:Fallback>
+        <mc:Fallback xmlns="">
           <p:sp>
             <p:nvSpPr>
               <p:cNvPr id="36" name="TextBox 35">
@@ -9533,8 +9524,8 @@
           <a:chExt cx="0" cy="0"/>
         </a:xfrm>
       </p:grpSpPr>
-      <mc:AlternateContent xmlns:mc="http://schemas.openxmlformats.org/markup-compatibility/2006">
-        <mc:Choice xmlns:a14="http://schemas.microsoft.com/office/drawing/2010/main" Requires="a14">
+      <mc:AlternateContent xmlns:mc="http://schemas.openxmlformats.org/markup-compatibility/2006" xmlns:a14="http://schemas.microsoft.com/office/drawing/2010/main">
+        <mc:Choice Requires="a14">
           <p:sp>
             <p:nvSpPr>
               <p:cNvPr id="36" name="TextBox 35">
@@ -10043,7 +10034,7 @@
             </p:txBody>
           </p:sp>
         </mc:Choice>
-        <mc:Fallback>
+        <mc:Fallback xmlns="">
           <p:sp>
             <p:nvSpPr>
               <p:cNvPr id="36" name="TextBox 35">
@@ -11005,8 +10996,8 @@
           <a:chExt cx="0" cy="0"/>
         </a:xfrm>
       </p:grpSpPr>
-      <mc:AlternateContent xmlns:mc="http://schemas.openxmlformats.org/markup-compatibility/2006">
-        <mc:Choice xmlns:a14="http://schemas.microsoft.com/office/drawing/2010/main" Requires="a14">
+      <mc:AlternateContent xmlns:mc="http://schemas.openxmlformats.org/markup-compatibility/2006" xmlns:a14="http://schemas.microsoft.com/office/drawing/2010/main">
+        <mc:Choice Requires="a14">
           <p:sp>
             <p:nvSpPr>
               <p:cNvPr id="36" name="TextBox 35">
@@ -11066,25 +11057,7 @@
                         </a:solidFill>
                         <a:latin typeface="Cambria Math" panose="02040503050406030204" pitchFamily="18" charset="0"/>
                       </a:rPr>
-                      <m:t>=</m:t>
-                    </m:r>
-                    <m:r>
-                      <a:rPr lang="en-US" sz="2000" b="0" i="1" smtClean="0">
-                        <a:solidFill>
-                          <a:srgbClr val="404040"/>
-                        </a:solidFill>
-                        <a:latin typeface="Cambria Math" panose="02040503050406030204" pitchFamily="18" charset="0"/>
-                      </a:rPr>
-                      <m:t>0</m:t>
-                    </m:r>
-                    <m:r>
-                      <a:rPr lang="en-US" sz="2000" b="0" i="1" smtClean="0">
-                        <a:solidFill>
-                          <a:srgbClr val="404040"/>
-                        </a:solidFill>
-                        <a:latin typeface="Cambria Math" panose="02040503050406030204" pitchFamily="18" charset="0"/>
-                      </a:rPr>
-                      <m:t> </m:t>
+                      <m:t>=0 </m:t>
                     </m:r>
                     <m:r>
                       <a:rPr lang="en-US" sz="2000" b="0" i="1" smtClean="0">
@@ -11145,16 +11118,7 @@
                         </a:solidFill>
                         <a:latin typeface="Cambria Math" panose="02040503050406030204" pitchFamily="18" charset="0"/>
                       </a:rPr>
-                      <m:t>=</m:t>
-                    </m:r>
-                    <m:r>
-                      <a:rPr lang="en-US" sz="2000" b="0" i="1" smtClean="0">
-                        <a:solidFill>
-                          <a:srgbClr val="404040"/>
-                        </a:solidFill>
-                        <a:latin typeface="Cambria Math" panose="02040503050406030204" pitchFamily="18" charset="0"/>
-                      </a:rPr>
-                      <m:t>1</m:t>
+                      <m:t>=1</m:t>
                     </m:r>
                   </m:oMath>
                 </a14:m>
@@ -11216,7 +11180,7 @@
             </p:txBody>
           </p:sp>
         </mc:Choice>
-        <mc:Fallback>
+        <mc:Fallback xmlns="">
           <p:sp>
             <p:nvSpPr>
               <p:cNvPr id="36" name="TextBox 35">
@@ -12232,8 +12196,8 @@
           <a:chExt cx="0" cy="0"/>
         </a:xfrm>
       </p:grpSpPr>
-      <mc:AlternateContent xmlns:mc="http://schemas.openxmlformats.org/markup-compatibility/2006">
-        <mc:Choice xmlns:a14="http://schemas.microsoft.com/office/drawing/2010/main" Requires="a14">
+      <mc:AlternateContent xmlns:mc="http://schemas.openxmlformats.org/markup-compatibility/2006" xmlns:a14="http://schemas.microsoft.com/office/drawing/2010/main">
+        <mc:Choice Requires="a14">
           <p:sp>
             <p:nvSpPr>
               <p:cNvPr id="36" name="TextBox 35">
@@ -13503,7 +13467,7 @@
                     <m:sSub>
                       <m:sSubPr>
                         <m:ctrlPr>
-                          <a:rPr lang="en-US" sz="2000" b="0" i="0" smtClean="0">
+                          <a:rPr lang="en-US" sz="2000" b="0" i="1" smtClean="0">
                             <a:solidFill>
                               <a:srgbClr val="404040"/>
                             </a:solidFill>
@@ -13624,7 +13588,7 @@
             </p:txBody>
           </p:sp>
         </mc:Choice>
-        <mc:Fallback>
+        <mc:Fallback xmlns="">
           <p:sp>
             <p:nvSpPr>
               <p:cNvPr id="36" name="TextBox 35">
@@ -14556,8 +14520,8 @@
           <a:chExt cx="0" cy="0"/>
         </a:xfrm>
       </p:grpSpPr>
-      <mc:AlternateContent xmlns:mc="http://schemas.openxmlformats.org/markup-compatibility/2006">
-        <mc:Choice xmlns:a14="http://schemas.microsoft.com/office/drawing/2010/main" Requires="a14">
+      <mc:AlternateContent xmlns:mc="http://schemas.openxmlformats.org/markup-compatibility/2006" xmlns:a14="http://schemas.microsoft.com/office/drawing/2010/main">
+        <mc:Choice Requires="a14">
           <p:sp>
             <p:nvSpPr>
               <p:cNvPr id="36" name="TextBox 35">
@@ -14920,7 +14884,7 @@
             </p:txBody>
           </p:sp>
         </mc:Choice>
-        <mc:Fallback>
+        <mc:Fallback xmlns="">
           <p:sp>
             <p:nvSpPr>
               <p:cNvPr id="36" name="TextBox 35">
@@ -16946,8 +16910,8 @@
           <a:chExt cx="0" cy="0"/>
         </a:xfrm>
       </p:grpSpPr>
-      <mc:AlternateContent xmlns:mc="http://schemas.openxmlformats.org/markup-compatibility/2006">
-        <mc:Choice xmlns:a14="http://schemas.microsoft.com/office/drawing/2010/main" Requires="a14">
+      <mc:AlternateContent xmlns:mc="http://schemas.openxmlformats.org/markup-compatibility/2006" xmlns:a14="http://schemas.microsoft.com/office/drawing/2010/main">
+        <mc:Choice Requires="a14">
           <p:sp>
             <p:nvSpPr>
               <p:cNvPr id="36" name="TextBox 35">
@@ -17326,7 +17290,7 @@
             </p:txBody>
           </p:sp>
         </mc:Choice>
-        <mc:Fallback>
+        <mc:Fallback xmlns="">
           <p:sp>
             <p:nvSpPr>
               <p:cNvPr id="36" name="TextBox 35">
@@ -18228,8 +18192,8 @@
           </a:prstGeom>
         </p:spPr>
       </p:pic>
-      <mc:AlternateContent xmlns:mc="http://schemas.openxmlformats.org/markup-compatibility/2006">
-        <mc:Choice xmlns:a14="http://schemas.microsoft.com/office/drawing/2010/main" Requires="a14">
+      <mc:AlternateContent xmlns:mc="http://schemas.openxmlformats.org/markup-compatibility/2006" xmlns:a14="http://schemas.microsoft.com/office/drawing/2010/main">
+        <mc:Choice Requires="a14">
           <p:sp>
             <p:nvSpPr>
               <p:cNvPr id="4" name="TextBox 3">
@@ -18258,6 +18222,7 @@
               </a:bodyPr>
               <a:lstStyle/>
               <a:p>
+                <a:pPr/>
                 <a14:m>
                   <m:oMathPara xmlns:m="http://schemas.openxmlformats.org/officeDocument/2006/math">
                     <m:oMathParaPr>
@@ -18380,7 +18345,7 @@
             </p:txBody>
           </p:sp>
         </mc:Choice>
-        <mc:Fallback>
+        <mc:Fallback xmlns="">
           <p:sp>
             <p:nvSpPr>
               <p:cNvPr id="4" name="TextBox 3">
@@ -18455,8 +18420,8 @@
           <a:chExt cx="0" cy="0"/>
         </a:xfrm>
       </p:grpSpPr>
-      <mc:AlternateContent xmlns:mc="http://schemas.openxmlformats.org/markup-compatibility/2006">
-        <mc:Choice xmlns:a14="http://schemas.microsoft.com/office/drawing/2010/main" Requires="a14">
+      <mc:AlternateContent xmlns:mc="http://schemas.openxmlformats.org/markup-compatibility/2006" xmlns:a14="http://schemas.microsoft.com/office/drawing/2010/main">
+        <mc:Choice Requires="a14">
           <p:sp>
             <p:nvSpPr>
               <p:cNvPr id="36" name="TextBox 35">
@@ -18992,7 +18957,7 @@
             </p:txBody>
           </p:sp>
         </mc:Choice>
-        <mc:Fallback>
+        <mc:Fallback xmlns="">
           <p:sp>
             <p:nvSpPr>
               <p:cNvPr id="36" name="TextBox 35">
@@ -19894,8 +19859,8 @@
           </a:prstGeom>
         </p:spPr>
       </p:pic>
-      <mc:AlternateContent xmlns:mc="http://schemas.openxmlformats.org/markup-compatibility/2006">
-        <mc:Choice xmlns:a14="http://schemas.microsoft.com/office/drawing/2010/main" Requires="a14">
+      <mc:AlternateContent xmlns:mc="http://schemas.openxmlformats.org/markup-compatibility/2006" xmlns:a14="http://schemas.microsoft.com/office/drawing/2010/main">
+        <mc:Choice Requires="a14">
           <p:sp>
             <p:nvSpPr>
               <p:cNvPr id="4" name="TextBox 3">
@@ -19924,6 +19889,7 @@
               </a:bodyPr>
               <a:lstStyle/>
               <a:p>
+                <a:pPr/>
                 <a14:m>
                   <m:oMathPara xmlns:m="http://schemas.openxmlformats.org/officeDocument/2006/math">
                     <m:oMathParaPr>
@@ -20114,7 +20080,7 @@
             </p:txBody>
           </p:sp>
         </mc:Choice>
-        <mc:Fallback>
+        <mc:Fallback xmlns="">
           <p:sp>
             <p:nvSpPr>
               <p:cNvPr id="4" name="TextBox 3">
@@ -25528,8 +25494,8 @@
           <a:chExt cx="0" cy="0"/>
         </a:xfrm>
       </p:grpSpPr>
-      <mc:AlternateContent xmlns:mc="http://schemas.openxmlformats.org/markup-compatibility/2006">
-        <mc:Choice xmlns:a14="http://schemas.microsoft.com/office/drawing/2010/main" Requires="a14">
+      <mc:AlternateContent xmlns:mc="http://schemas.openxmlformats.org/markup-compatibility/2006" xmlns:a14="http://schemas.microsoft.com/office/drawing/2010/main">
+        <mc:Choice Requires="a14">
           <p:sp>
             <p:nvSpPr>
               <p:cNvPr id="36" name="TextBox 35">
@@ -25747,7 +25713,7 @@
             </p:txBody>
           </p:sp>
         </mc:Choice>
-        <mc:Fallback>
+        <mc:Fallback xmlns="">
           <p:sp>
             <p:nvSpPr>
               <p:cNvPr id="36" name="TextBox 35">
@@ -27577,8 +27543,8 @@
           </a:prstGeom>
         </p:spPr>
       </p:pic>
-      <mc:AlternateContent xmlns:mc="http://schemas.openxmlformats.org/markup-compatibility/2006">
-        <mc:Choice xmlns:a14="http://schemas.microsoft.com/office/drawing/2010/main" Requires="a14">
+      <mc:AlternateContent xmlns:mc="http://schemas.openxmlformats.org/markup-compatibility/2006" xmlns:a14="http://schemas.microsoft.com/office/drawing/2010/main">
+        <mc:Choice Requires="a14">
           <p:sp>
             <p:nvSpPr>
               <p:cNvPr id="23" name="TextBox 22">
@@ -28213,7 +28179,7 @@
             </p:txBody>
           </p:sp>
         </mc:Choice>
-        <mc:Fallback>
+        <mc:Fallback xmlns="">
           <p:sp>
             <p:nvSpPr>
               <p:cNvPr id="23" name="TextBox 22">
@@ -29246,8 +29212,8 @@
           </a:prstGeom>
         </p:spPr>
       </p:pic>
-      <mc:AlternateContent xmlns:mc="http://schemas.openxmlformats.org/markup-compatibility/2006">
-        <mc:Choice xmlns:a14="http://schemas.microsoft.com/office/drawing/2010/main" Requires="a14">
+      <mc:AlternateContent xmlns:mc="http://schemas.openxmlformats.org/markup-compatibility/2006" xmlns:a14="http://schemas.microsoft.com/office/drawing/2010/main">
+        <mc:Choice Requires="a14">
           <p:sp>
             <p:nvSpPr>
               <p:cNvPr id="23" name="TextBox 22">
@@ -29308,7 +29274,7 @@
                         <m:begChr m:val="["/>
                         <m:endChr m:val="]"/>
                         <m:ctrlPr>
-                          <a:rPr lang="en-US" sz="2000" b="0" i="0" smtClean="0">
+                          <a:rPr lang="en-US" sz="2000" b="0" i="1" smtClean="0">
                             <a:solidFill>
                               <a:srgbClr val="404040"/>
                             </a:solidFill>
@@ -29453,7 +29419,7 @@
                     <m:sSubSup>
                       <m:sSubSupPr>
                         <m:ctrlPr>
-                          <a:rPr lang="en-US" sz="2000" b="0" i="0" smtClean="0">
+                          <a:rPr lang="en-US" sz="2000" b="0" i="1" smtClean="0">
                             <a:solidFill>
                               <a:srgbClr val="404040"/>
                             </a:solidFill>
@@ -29524,7 +29490,7 @@
                         <m:begChr m:val="["/>
                         <m:endChr m:val="]"/>
                         <m:ctrlPr>
-                          <a:rPr lang="en-US" sz="2000" b="0" i="0" smtClean="0">
+                          <a:rPr lang="en-US" sz="2000" b="0" i="1" smtClean="0">
                             <a:solidFill>
                               <a:srgbClr val="404040"/>
                             </a:solidFill>
@@ -29838,7 +29804,7 @@
             </p:txBody>
           </p:sp>
         </mc:Choice>
-        <mc:Fallback>
+        <mc:Fallback xmlns="">
           <p:sp>
             <p:nvSpPr>
               <p:cNvPr id="23" name="TextBox 22">
@@ -30871,8 +30837,8 @@
           </a:prstGeom>
         </p:spPr>
       </p:pic>
-      <mc:AlternateContent xmlns:mc="http://schemas.openxmlformats.org/markup-compatibility/2006">
-        <mc:Choice xmlns:a14="http://schemas.microsoft.com/office/drawing/2010/main" Requires="a14">
+      <mc:AlternateContent xmlns:mc="http://schemas.openxmlformats.org/markup-compatibility/2006" xmlns:a14="http://schemas.microsoft.com/office/drawing/2010/main">
+        <mc:Choice Requires="a14">
           <p:sp>
             <p:nvSpPr>
               <p:cNvPr id="23" name="TextBox 22">
@@ -31084,7 +31050,7 @@
             </p:txBody>
           </p:sp>
         </mc:Choice>
-        <mc:Fallback>
+        <mc:Fallback xmlns="">
           <p:sp>
             <p:nvSpPr>
               <p:cNvPr id="23" name="TextBox 22">
@@ -31201,8 +31167,8 @@
           <a:chExt cx="0" cy="0"/>
         </a:xfrm>
       </p:grpSpPr>
-      <mc:AlternateContent xmlns:mc="http://schemas.openxmlformats.org/markup-compatibility/2006">
-        <mc:Choice xmlns:a14="http://schemas.microsoft.com/office/drawing/2010/main" Requires="a14">
+      <mc:AlternateContent xmlns:mc="http://schemas.openxmlformats.org/markup-compatibility/2006" xmlns:a14="http://schemas.microsoft.com/office/drawing/2010/main">
+        <mc:Choice Requires="a14">
           <p:sp>
             <p:nvSpPr>
               <p:cNvPr id="36" name="TextBox 35">
@@ -31485,7 +31451,7 @@
                     <m:d>
                       <m:dPr>
                         <m:ctrlPr>
-                          <a:rPr lang="en-US" sz="2000" b="0" i="0" smtClean="0">
+                          <a:rPr lang="en-US" sz="2000" b="0" i="1" smtClean="0">
                             <a:solidFill>
                               <a:srgbClr val="404040"/>
                             </a:solidFill>
@@ -31695,7 +31661,7 @@
             </p:txBody>
           </p:sp>
         </mc:Choice>
-        <mc:Fallback>
+        <mc:Fallback xmlns="">
           <p:sp>
             <p:nvSpPr>
               <p:cNvPr id="36" name="TextBox 35">
@@ -32687,8 +32653,8 @@
           <a:chExt cx="0" cy="0"/>
         </a:xfrm>
       </p:grpSpPr>
-      <mc:AlternateContent xmlns:mc="http://schemas.openxmlformats.org/markup-compatibility/2006">
-        <mc:Choice xmlns:a14="http://schemas.microsoft.com/office/drawing/2010/main" Requires="a14">
+      <mc:AlternateContent xmlns:mc="http://schemas.openxmlformats.org/markup-compatibility/2006" xmlns:a14="http://schemas.microsoft.com/office/drawing/2010/main">
+        <mc:Choice Requires="a14">
           <p:sp>
             <p:nvSpPr>
               <p:cNvPr id="36" name="TextBox 35">
@@ -33074,7 +33040,7 @@
             </p:txBody>
           </p:sp>
         </mc:Choice>
-        <mc:Fallback>
+        <mc:Fallback xmlns="">
           <p:sp>
             <p:nvSpPr>
               <p:cNvPr id="36" name="TextBox 35">
